--- a/classes/stats2018/Lecture10.pptx
+++ b/classes/stats2018/Lecture10.pptx
@@ -259,7 +259,7 @@
             <a:fld id="{5C0EE926-3778-4231-96B9-8CC56DC35E95}" type="datetimeFigureOut">
               <a:rPr lang="en-US" smtClean="0"/>
               <a:pPr/>
-              <a:t>2/19/2018</a:t>
+              <a:t>2/20/2018</a:t>
             </a:fld>
             <a:endParaRPr lang="en-US"/>
           </a:p>
@@ -1492,7 +1492,7 @@
             <a:fld id="{1D8BD707-D9CF-40AE-B4C6-C98DA3205C09}" type="datetimeFigureOut">
               <a:rPr lang="en-US" smtClean="0"/>
               <a:pPr/>
-              <a:t>2/19/2018</a:t>
+              <a:t>2/20/2018</a:t>
             </a:fld>
             <a:endParaRPr lang="en-US"/>
           </a:p>
@@ -1657,7 +1657,7 @@
             <a:fld id="{1D8BD707-D9CF-40AE-B4C6-C98DA3205C09}" type="datetimeFigureOut">
               <a:rPr lang="en-US" smtClean="0"/>
               <a:pPr/>
-              <a:t>2/19/2018</a:t>
+              <a:t>2/20/2018</a:t>
             </a:fld>
             <a:endParaRPr lang="en-US"/>
           </a:p>
@@ -1832,7 +1832,7 @@
             <a:fld id="{1D8BD707-D9CF-40AE-B4C6-C98DA3205C09}" type="datetimeFigureOut">
               <a:rPr lang="en-US" smtClean="0"/>
               <a:pPr/>
-              <a:t>2/19/2018</a:t>
+              <a:t>2/20/2018</a:t>
             </a:fld>
             <a:endParaRPr lang="en-US"/>
           </a:p>
@@ -1997,7 +1997,7 @@
             <a:fld id="{1D8BD707-D9CF-40AE-B4C6-C98DA3205C09}" type="datetimeFigureOut">
               <a:rPr lang="en-US" smtClean="0"/>
               <a:pPr/>
-              <a:t>2/19/2018</a:t>
+              <a:t>2/20/2018</a:t>
             </a:fld>
             <a:endParaRPr lang="en-US"/>
           </a:p>
@@ -2239,7 +2239,7 @@
             <a:fld id="{1D8BD707-D9CF-40AE-B4C6-C98DA3205C09}" type="datetimeFigureOut">
               <a:rPr lang="en-US" smtClean="0"/>
               <a:pPr/>
-              <a:t>2/19/2018</a:t>
+              <a:t>2/20/2018</a:t>
             </a:fld>
             <a:endParaRPr lang="en-US"/>
           </a:p>
@@ -2521,7 +2521,7 @@
             <a:fld id="{1D8BD707-D9CF-40AE-B4C6-C98DA3205C09}" type="datetimeFigureOut">
               <a:rPr lang="en-US" smtClean="0"/>
               <a:pPr/>
-              <a:t>2/19/2018</a:t>
+              <a:t>2/20/2018</a:t>
             </a:fld>
             <a:endParaRPr lang="en-US"/>
           </a:p>
@@ -2937,7 +2937,7 @@
             <a:fld id="{1D8BD707-D9CF-40AE-B4C6-C98DA3205C09}" type="datetimeFigureOut">
               <a:rPr lang="en-US" smtClean="0"/>
               <a:pPr/>
-              <a:t>2/19/2018</a:t>
+              <a:t>2/20/2018</a:t>
             </a:fld>
             <a:endParaRPr lang="en-US"/>
           </a:p>
@@ -3051,7 +3051,7 @@
             <a:fld id="{1D8BD707-D9CF-40AE-B4C6-C98DA3205C09}" type="datetimeFigureOut">
               <a:rPr lang="en-US" smtClean="0"/>
               <a:pPr/>
-              <a:t>2/19/2018</a:t>
+              <a:t>2/20/2018</a:t>
             </a:fld>
             <a:endParaRPr lang="en-US"/>
           </a:p>
@@ -3143,7 +3143,7 @@
             <a:fld id="{1D8BD707-D9CF-40AE-B4C6-C98DA3205C09}" type="datetimeFigureOut">
               <a:rPr lang="en-US" smtClean="0"/>
               <a:pPr/>
-              <a:t>2/19/2018</a:t>
+              <a:t>2/20/2018</a:t>
             </a:fld>
             <a:endParaRPr lang="en-US"/>
           </a:p>
@@ -3415,7 +3415,7 @@
             <a:fld id="{1D8BD707-D9CF-40AE-B4C6-C98DA3205C09}" type="datetimeFigureOut">
               <a:rPr lang="en-US" smtClean="0"/>
               <a:pPr/>
-              <a:t>2/19/2018</a:t>
+              <a:t>2/20/2018</a:t>
             </a:fld>
             <a:endParaRPr lang="en-US"/>
           </a:p>
@@ -3664,7 +3664,7 @@
             <a:fld id="{1D8BD707-D9CF-40AE-B4C6-C98DA3205C09}" type="datetimeFigureOut">
               <a:rPr lang="en-US" smtClean="0"/>
               <a:pPr/>
-              <a:t>2/19/2018</a:t>
+              <a:t>2/20/2018</a:t>
             </a:fld>
             <a:endParaRPr lang="en-US"/>
           </a:p>
@@ -3872,7 +3872,7 @@
             <a:fld id="{1D8BD707-D9CF-40AE-B4C6-C98DA3205C09}" type="datetimeFigureOut">
               <a:rPr lang="en-US" smtClean="0"/>
               <a:pPr/>
-              <a:t>2/19/2018</a:t>
+              <a:t>2/20/2018</a:t>
             </a:fld>
             <a:endParaRPr lang="en-US"/>
           </a:p>
@@ -6193,7 +6193,7 @@
         <p:spPr>
           <a:xfrm>
             <a:off x="228600" y="1676400"/>
-            <a:ext cx="8285538" cy="923330"/>
+            <a:ext cx="8285538" cy="1477328"/>
           </a:xfrm>
           <a:prstGeom prst="rect">
             <a:avLst/>
@@ -6221,6 +6221,23 @@
             <a:r>
               <a:rPr lang="en-US" dirty="0"/>
               <a:t>expression?</a:t>
+            </a:r>
+          </a:p>
+          <a:p>
+            <a:endParaRPr lang="en-US" dirty="0"/>
+          </a:p>
+          <a:p>
+            <a:r>
+              <a:rPr lang="en-US" dirty="0"/>
+              <a:t>We saw a simple way to do this in Lab #6, but </a:t>
+            </a:r>
+            <a:r>
+              <a:rPr lang="en-US" dirty="0" err="1"/>
+              <a:t>DeSeq’s</a:t>
+            </a:r>
+            <a:r>
+              <a:rPr lang="en-US" dirty="0"/>
+              <a:t> path is a little more complex..</a:t>
             </a:r>
           </a:p>
         </p:txBody>
@@ -9900,13 +9917,8 @@
           <a:p>
             <a:r>
               <a:rPr lang="en-US" dirty="0"/>
-              <a:t>This allows for pooling of the estimate of the raw </a:t>
-            </a:r>
-            <a:r>
-              <a:rPr lang="en-US" dirty="0" err="1"/>
-              <a:t>variancess</a:t>
-            </a:r>
-            <a:endParaRPr lang="en-US" dirty="0"/>
+              <a:t>This allows for pooling of the estimate of the raw variances</a:t>
+            </a:r>
           </a:p>
         </p:txBody>
       </p:sp>
@@ -12499,7 +12511,7 @@
         <p:spPr>
           <a:xfrm>
             <a:off x="152400" y="76200"/>
-            <a:ext cx="8569205" cy="3139321"/>
+            <a:ext cx="8135048" cy="2862322"/>
           </a:xfrm>
           <a:prstGeom prst="rect">
             <a:avLst/>
@@ -12512,16 +12524,7 @@
           </a:bodyPr>
           <a:lstStyle/>
           <a:p>
-            <a:r>
-              <a:rPr lang="en-US" dirty="0"/>
-              <a:t>But in a real experiment we need to estimate the mean and variance from two conditions</a:t>
-            </a:r>
-          </a:p>
-          <a:p>
-            <a:r>
-              <a:rPr lang="en-US" dirty="0"/>
-              <a:t>and then perform inference.</a:t>
-            </a:r>
+            <a:endParaRPr lang="en-US" dirty="0"/>
           </a:p>
           <a:p>
             <a:endParaRPr lang="en-US" dirty="0"/>
@@ -12834,7 +12837,7 @@
         <p:spPr>
           <a:xfrm>
             <a:off x="838200" y="533400"/>
-            <a:ext cx="3180166" cy="369332"/>
+            <a:ext cx="3925562" cy="369332"/>
           </a:xfrm>
           <a:prstGeom prst="rect">
             <a:avLst/>
@@ -12849,7 +12852,7 @@
           <a:p>
             <a:r>
               <a:rPr lang="en-US" dirty="0"/>
-              <a:t>Next:  The normal distribution…</a:t>
+              <a:t>Next (finally):  The normal distribution…</a:t>
             </a:r>
           </a:p>
         </p:txBody>

--- a/classes/stats2018/Lecture10.pptx
+++ b/classes/stats2018/Lecture10.pptx
@@ -259,7 +259,7 @@
             <a:fld id="{5C0EE926-3778-4231-96B9-8CC56DC35E95}" type="datetimeFigureOut">
               <a:rPr lang="en-US" smtClean="0"/>
               <a:pPr/>
-              <a:t>2/20/2018</a:t>
+              <a:t>2/24/2018</a:t>
             </a:fld>
             <a:endParaRPr lang="en-US"/>
           </a:p>
@@ -1492,7 +1492,7 @@
             <a:fld id="{1D8BD707-D9CF-40AE-B4C6-C98DA3205C09}" type="datetimeFigureOut">
               <a:rPr lang="en-US" smtClean="0"/>
               <a:pPr/>
-              <a:t>2/20/2018</a:t>
+              <a:t>2/24/2018</a:t>
             </a:fld>
             <a:endParaRPr lang="en-US"/>
           </a:p>
@@ -1657,7 +1657,7 @@
             <a:fld id="{1D8BD707-D9CF-40AE-B4C6-C98DA3205C09}" type="datetimeFigureOut">
               <a:rPr lang="en-US" smtClean="0"/>
               <a:pPr/>
-              <a:t>2/20/2018</a:t>
+              <a:t>2/24/2018</a:t>
             </a:fld>
             <a:endParaRPr lang="en-US"/>
           </a:p>
@@ -1832,7 +1832,7 @@
             <a:fld id="{1D8BD707-D9CF-40AE-B4C6-C98DA3205C09}" type="datetimeFigureOut">
               <a:rPr lang="en-US" smtClean="0"/>
               <a:pPr/>
-              <a:t>2/20/2018</a:t>
+              <a:t>2/24/2018</a:t>
             </a:fld>
             <a:endParaRPr lang="en-US"/>
           </a:p>
@@ -1997,7 +1997,7 @@
             <a:fld id="{1D8BD707-D9CF-40AE-B4C6-C98DA3205C09}" type="datetimeFigureOut">
               <a:rPr lang="en-US" smtClean="0"/>
               <a:pPr/>
-              <a:t>2/20/2018</a:t>
+              <a:t>2/24/2018</a:t>
             </a:fld>
             <a:endParaRPr lang="en-US"/>
           </a:p>
@@ -2239,7 +2239,7 @@
             <a:fld id="{1D8BD707-D9CF-40AE-B4C6-C98DA3205C09}" type="datetimeFigureOut">
               <a:rPr lang="en-US" smtClean="0"/>
               <a:pPr/>
-              <a:t>2/20/2018</a:t>
+              <a:t>2/24/2018</a:t>
             </a:fld>
             <a:endParaRPr lang="en-US"/>
           </a:p>
@@ -2521,7 +2521,7 @@
             <a:fld id="{1D8BD707-D9CF-40AE-B4C6-C98DA3205C09}" type="datetimeFigureOut">
               <a:rPr lang="en-US" smtClean="0"/>
               <a:pPr/>
-              <a:t>2/20/2018</a:t>
+              <a:t>2/24/2018</a:t>
             </a:fld>
             <a:endParaRPr lang="en-US"/>
           </a:p>
@@ -2937,7 +2937,7 @@
             <a:fld id="{1D8BD707-D9CF-40AE-B4C6-C98DA3205C09}" type="datetimeFigureOut">
               <a:rPr lang="en-US" smtClean="0"/>
               <a:pPr/>
-              <a:t>2/20/2018</a:t>
+              <a:t>2/24/2018</a:t>
             </a:fld>
             <a:endParaRPr lang="en-US"/>
           </a:p>
@@ -3051,7 +3051,7 @@
             <a:fld id="{1D8BD707-D9CF-40AE-B4C6-C98DA3205C09}" type="datetimeFigureOut">
               <a:rPr lang="en-US" smtClean="0"/>
               <a:pPr/>
-              <a:t>2/20/2018</a:t>
+              <a:t>2/24/2018</a:t>
             </a:fld>
             <a:endParaRPr lang="en-US"/>
           </a:p>
@@ -3143,7 +3143,7 @@
             <a:fld id="{1D8BD707-D9CF-40AE-B4C6-C98DA3205C09}" type="datetimeFigureOut">
               <a:rPr lang="en-US" smtClean="0"/>
               <a:pPr/>
-              <a:t>2/20/2018</a:t>
+              <a:t>2/24/2018</a:t>
             </a:fld>
             <a:endParaRPr lang="en-US"/>
           </a:p>
@@ -3415,7 +3415,7 @@
             <a:fld id="{1D8BD707-D9CF-40AE-B4C6-C98DA3205C09}" type="datetimeFigureOut">
               <a:rPr lang="en-US" smtClean="0"/>
               <a:pPr/>
-              <a:t>2/20/2018</a:t>
+              <a:t>2/24/2018</a:t>
             </a:fld>
             <a:endParaRPr lang="en-US"/>
           </a:p>
@@ -3664,7 +3664,7 @@
             <a:fld id="{1D8BD707-D9CF-40AE-B4C6-C98DA3205C09}" type="datetimeFigureOut">
               <a:rPr lang="en-US" smtClean="0"/>
               <a:pPr/>
-              <a:t>2/20/2018</a:t>
+              <a:t>2/24/2018</a:t>
             </a:fld>
             <a:endParaRPr lang="en-US"/>
           </a:p>
@@ -3872,7 +3872,7 @@
             <a:fld id="{1D8BD707-D9CF-40AE-B4C6-C98DA3205C09}" type="datetimeFigureOut">
               <a:rPr lang="en-US" smtClean="0"/>
               <a:pPr/>
-              <a:t>2/20/2018</a:t>
+              <a:t>2/24/2018</a:t>
             </a:fld>
             <a:endParaRPr lang="en-US"/>
           </a:p>
@@ -9766,7 +9766,7 @@
         </p:nvCxnSpPr>
         <p:spPr>
           <a:xfrm flipH="1" flipV="1">
-            <a:off x="2895600" y="2994243"/>
+            <a:off x="3200400" y="2994243"/>
             <a:ext cx="762000" cy="1015782"/>
           </a:xfrm>
           <a:prstGeom prst="straightConnector1">
